--- a/Design-Principles.pptx
+++ b/Design-Principles.pptx
@@ -18,6 +18,7 @@
     <p:sldId id="280" r:id="rId12"/>
     <p:sldId id="281" r:id="rId13"/>
     <p:sldId id="282" r:id="rId14"/>
+    <p:sldId id="283" r:id="rId15"/>
   </p:sldIdLst>
   <p:sldSz cx="12192000" cy="6858000"/>
   <p:notesSz cx="6858000" cy="9144000"/>
@@ -846,7 +847,7 @@
           <a:p>
             <a:fld id="{6CDCFB30-2F34-4C6C-B6B7-30925EAD1314}" type="datetimeFigureOut">
               <a:rPr lang="en-IN" smtClean="0"/>
-              <a:t>23-12-2025</a:t>
+              <a:t>28-12-2025</a:t>
             </a:fld>
             <a:endParaRPr lang="en-IN"/>
           </a:p>
@@ -1097,7 +1098,7 @@
           <a:p>
             <a:fld id="{6CDCFB30-2F34-4C6C-B6B7-30925EAD1314}" type="datetimeFigureOut">
               <a:rPr lang="en-IN" smtClean="0"/>
-              <a:t>23-12-2025</a:t>
+              <a:t>28-12-2025</a:t>
             </a:fld>
             <a:endParaRPr lang="en-IN"/>
           </a:p>
@@ -1411,7 +1412,7 @@
           <a:p>
             <a:fld id="{6CDCFB30-2F34-4C6C-B6B7-30925EAD1314}" type="datetimeFigureOut">
               <a:rPr lang="en-IN" smtClean="0"/>
-              <a:t>23-12-2025</a:t>
+              <a:t>28-12-2025</a:t>
             </a:fld>
             <a:endParaRPr lang="en-IN"/>
           </a:p>
@@ -1752,7 +1753,7 @@
           <a:p>
             <a:fld id="{6CDCFB30-2F34-4C6C-B6B7-30925EAD1314}" type="datetimeFigureOut">
               <a:rPr lang="en-IN" smtClean="0"/>
-              <a:t>23-12-2025</a:t>
+              <a:t>28-12-2025</a:t>
             </a:fld>
             <a:endParaRPr lang="en-IN"/>
           </a:p>
@@ -2066,7 +2067,7 @@
           <a:p>
             <a:fld id="{6CDCFB30-2F34-4C6C-B6B7-30925EAD1314}" type="datetimeFigureOut">
               <a:rPr lang="en-IN" smtClean="0"/>
-              <a:t>23-12-2025</a:t>
+              <a:t>28-12-2025</a:t>
             </a:fld>
             <a:endParaRPr lang="en-IN"/>
           </a:p>
@@ -2459,7 +2460,7 @@
           <a:p>
             <a:fld id="{6CDCFB30-2F34-4C6C-B6B7-30925EAD1314}" type="datetimeFigureOut">
               <a:rPr lang="en-IN" smtClean="0"/>
-              <a:t>23-12-2025</a:t>
+              <a:t>28-12-2025</a:t>
             </a:fld>
             <a:endParaRPr lang="en-IN"/>
           </a:p>
@@ -2629,7 +2630,7 @@
           <a:p>
             <a:fld id="{6CDCFB30-2F34-4C6C-B6B7-30925EAD1314}" type="datetimeFigureOut">
               <a:rPr lang="en-IN" smtClean="0"/>
-              <a:t>23-12-2025</a:t>
+              <a:t>28-12-2025</a:t>
             </a:fld>
             <a:endParaRPr lang="en-IN"/>
           </a:p>
@@ -2809,7 +2810,7 @@
           <a:p>
             <a:fld id="{6CDCFB30-2F34-4C6C-B6B7-30925EAD1314}" type="datetimeFigureOut">
               <a:rPr lang="en-IN" smtClean="0"/>
-              <a:t>23-12-2025</a:t>
+              <a:t>28-12-2025</a:t>
             </a:fld>
             <a:endParaRPr lang="en-IN"/>
           </a:p>
@@ -2985,7 +2986,7 @@
           <a:p>
             <a:fld id="{6CDCFB30-2F34-4C6C-B6B7-30925EAD1314}" type="datetimeFigureOut">
               <a:rPr lang="en-IN" smtClean="0"/>
-              <a:t>23-12-2025</a:t>
+              <a:t>28-12-2025</a:t>
             </a:fld>
             <a:endParaRPr lang="en-IN"/>
           </a:p>
@@ -3271,7 +3272,7 @@
           <a:p>
             <a:fld id="{6CDCFB30-2F34-4C6C-B6B7-30925EAD1314}" type="datetimeFigureOut">
               <a:rPr lang="en-IN" smtClean="0"/>
-              <a:t>23-12-2025</a:t>
+              <a:t>28-12-2025</a:t>
             </a:fld>
             <a:endParaRPr lang="en-IN"/>
           </a:p>
@@ -3503,7 +3504,7 @@
           <a:p>
             <a:fld id="{6CDCFB30-2F34-4C6C-B6B7-30925EAD1314}" type="datetimeFigureOut">
               <a:rPr lang="en-IN" smtClean="0"/>
-              <a:t>23-12-2025</a:t>
+              <a:t>28-12-2025</a:t>
             </a:fld>
             <a:endParaRPr lang="en-IN"/>
           </a:p>
@@ -3877,7 +3878,7 @@
           <a:p>
             <a:fld id="{6CDCFB30-2F34-4C6C-B6B7-30925EAD1314}" type="datetimeFigureOut">
               <a:rPr lang="en-IN" smtClean="0"/>
-              <a:t>23-12-2025</a:t>
+              <a:t>28-12-2025</a:t>
             </a:fld>
             <a:endParaRPr lang="en-IN"/>
           </a:p>
@@ -4000,7 +4001,7 @@
           <a:p>
             <a:fld id="{6CDCFB30-2F34-4C6C-B6B7-30925EAD1314}" type="datetimeFigureOut">
               <a:rPr lang="en-IN" smtClean="0"/>
-              <a:t>23-12-2025</a:t>
+              <a:t>28-12-2025</a:t>
             </a:fld>
             <a:endParaRPr lang="en-IN"/>
           </a:p>
@@ -4095,7 +4096,7 @@
           <a:p>
             <a:fld id="{6CDCFB30-2F34-4C6C-B6B7-30925EAD1314}" type="datetimeFigureOut">
               <a:rPr lang="en-IN" smtClean="0"/>
-              <a:t>23-12-2025</a:t>
+              <a:t>28-12-2025</a:t>
             </a:fld>
             <a:endParaRPr lang="en-IN"/>
           </a:p>
@@ -4350,7 +4351,7 @@
           <a:p>
             <a:fld id="{6CDCFB30-2F34-4C6C-B6B7-30925EAD1314}" type="datetimeFigureOut">
               <a:rPr lang="en-IN" smtClean="0"/>
-              <a:t>23-12-2025</a:t>
+              <a:t>28-12-2025</a:t>
             </a:fld>
             <a:endParaRPr lang="en-IN"/>
           </a:p>
@@ -4613,7 +4614,7 @@
           <a:p>
             <a:fld id="{6CDCFB30-2F34-4C6C-B6B7-30925EAD1314}" type="datetimeFigureOut">
               <a:rPr lang="en-IN" smtClean="0"/>
-              <a:t>23-12-2025</a:t>
+              <a:t>28-12-2025</a:t>
             </a:fld>
             <a:endParaRPr lang="en-IN"/>
           </a:p>
@@ -5356,7 +5357,7 @@
           <a:p>
             <a:fld id="{6CDCFB30-2F34-4C6C-B6B7-30925EAD1314}" type="datetimeFigureOut">
               <a:rPr lang="en-IN" smtClean="0"/>
-              <a:t>23-12-2025</a:t>
+              <a:t>28-12-2025</a:t>
             </a:fld>
             <a:endParaRPr lang="en-IN"/>
           </a:p>
@@ -6407,15 +6408,7 @@
           <a:p>
             <a:r>
               <a:rPr lang="en-IN" sz="4000" dirty="0" smtClean="0"/>
-              <a:t>Interpreter</a:t>
-            </a:r>
-            <a:r>
-              <a:rPr lang="en-IN" sz="4000" dirty="0" smtClean="0"/>
-              <a:t> </a:t>
-            </a:r>
-            <a:r>
-              <a:rPr lang="en-IN" sz="4000" dirty="0" smtClean="0"/>
-              <a:t>Design Pattern</a:t>
+              <a:t>Interpreter Design Pattern</a:t>
             </a:r>
             <a:endParaRPr lang="en-IN" sz="4000" dirty="0">
               <a:latin typeface="Calibri" panose="020F0502020204030204" pitchFamily="34" charset="0"/>
@@ -6545,15 +6538,7 @@
           <a:p>
             <a:r>
               <a:rPr lang="en-IN" sz="4000" dirty="0" smtClean="0"/>
-              <a:t>Iterator</a:t>
-            </a:r>
-            <a:r>
-              <a:rPr lang="en-IN" sz="4000" dirty="0" smtClean="0"/>
-              <a:t> </a:t>
-            </a:r>
-            <a:r>
-              <a:rPr lang="en-IN" sz="4000" dirty="0" smtClean="0"/>
-              <a:t>Design Pattern</a:t>
+              <a:t>Iterator Design Pattern</a:t>
             </a:r>
             <a:endParaRPr lang="en-IN" sz="4000" dirty="0">
               <a:latin typeface="Calibri" panose="020F0502020204030204" pitchFamily="34" charset="0"/>
@@ -6650,6 +6635,148 @@
     <p:extLst>
       <p:ext uri="{BB962C8B-B14F-4D97-AF65-F5344CB8AC3E}">
         <p14:creationId xmlns:p14="http://schemas.microsoft.com/office/powerpoint/2010/main" val="3312203847"/>
+      </p:ext>
+    </p:extLst>
+  </p:cSld>
+  <p:clrMapOvr>
+    <a:masterClrMapping/>
+  </p:clrMapOvr>
+  <p:timing>
+    <p:tnLst>
+      <p:par>
+        <p:cTn id="1" dur="indefinite" restart="never" nodeType="tmRoot"/>
+      </p:par>
+    </p:tnLst>
+  </p:timing>
+</p:sld>
+</file>
+
+<file path=ppt/slides/slide14.xml><?xml version="1.0" encoding="utf-8"?>
+<p:sld xmlns:a="http://schemas.openxmlformats.org/drawingml/2006/main" xmlns:r="http://schemas.openxmlformats.org/officeDocument/2006/relationships" xmlns:p="http://schemas.openxmlformats.org/presentationml/2006/main">
+  <p:cSld>
+    <p:spTree>
+      <p:nvGrpSpPr>
+        <p:cNvPr id="1" name=""/>
+        <p:cNvGrpSpPr/>
+        <p:nvPr/>
+      </p:nvGrpSpPr>
+      <p:grpSpPr>
+        <a:xfrm>
+          <a:off x="0" y="0"/>
+          <a:ext cx="0" cy="0"/>
+          <a:chOff x="0" y="0"/>
+          <a:chExt cx="0" cy="0"/>
+        </a:xfrm>
+      </p:grpSpPr>
+      <p:sp>
+        <p:nvSpPr>
+          <p:cNvPr id="2" name="Title 1"/>
+          <p:cNvSpPr>
+            <a:spLocks noGrp="1"/>
+          </p:cNvSpPr>
+          <p:nvPr>
+            <p:ph type="title"/>
+          </p:nvPr>
+        </p:nvSpPr>
+        <p:spPr/>
+        <p:txBody>
+          <a:bodyPr>
+            <a:normAutofit/>
+          </a:bodyPr>
+          <a:lstStyle/>
+          <a:p>
+            <a:r>
+              <a:rPr lang="en-IN" sz="4000" smtClean="0"/>
+              <a:t>Mediator</a:t>
+            </a:r>
+            <a:r>
+              <a:rPr lang="en-IN" sz="4000" smtClean="0"/>
+              <a:t> </a:t>
+            </a:r>
+            <a:r>
+              <a:rPr lang="en-IN" sz="4000" dirty="0" smtClean="0"/>
+              <a:t>Design Pattern</a:t>
+            </a:r>
+            <a:endParaRPr lang="en-IN" sz="4000" dirty="0">
+              <a:latin typeface="Calibri" panose="020F0502020204030204" pitchFamily="34" charset="0"/>
+              <a:cs typeface="Calibri" panose="020F0502020204030204" pitchFamily="34" charset="0"/>
+            </a:endParaRPr>
+          </a:p>
+        </p:txBody>
+      </p:sp>
+      <p:sp>
+        <p:nvSpPr>
+          <p:cNvPr id="3" name="Content Placeholder 2"/>
+          <p:cNvSpPr>
+            <a:spLocks noGrp="1"/>
+          </p:cNvSpPr>
+          <p:nvPr>
+            <p:ph idx="1"/>
+          </p:nvPr>
+        </p:nvSpPr>
+        <p:spPr/>
+        <p:txBody>
+          <a:bodyPr>
+            <a:noAutofit/>
+          </a:bodyPr>
+          <a:lstStyle/>
+          <a:p>
+            <a:pPr marL="0" indent="0">
+              <a:buNone/>
+            </a:pPr>
+            <a:r>
+              <a:rPr lang="en-US" sz="2000" dirty="0">
+                <a:latin typeface="Calibri" panose="020F0502020204030204" pitchFamily="34" charset="0"/>
+                <a:cs typeface="Calibri" panose="020F0502020204030204" pitchFamily="34" charset="0"/>
+              </a:rPr>
+              <a:t>The Mediator design pattern is a behavioral pattern that acts as a central hub for communication between different objects (components). Instead of objects referring to and calling each other directly (creating a chaotic web of dependencies), they send messages to the Mediator, which then routes those messages to the appropriate recipients.</a:t>
+            </a:r>
+          </a:p>
+          <a:p>
+            <a:pPr marL="0" indent="0">
+              <a:buNone/>
+            </a:pPr>
+            <a:endParaRPr lang="en-US" sz="2000" dirty="0">
+              <a:latin typeface="Calibri" panose="020F0502020204030204" pitchFamily="34" charset="0"/>
+              <a:cs typeface="Calibri" panose="020F0502020204030204" pitchFamily="34" charset="0"/>
+            </a:endParaRPr>
+          </a:p>
+          <a:p>
+            <a:pPr marL="0" indent="0">
+              <a:buNone/>
+            </a:pPr>
+            <a:r>
+              <a:rPr lang="en-US" sz="2000" dirty="0">
+                <a:latin typeface="Calibri" panose="020F0502020204030204" pitchFamily="34" charset="0"/>
+                <a:cs typeface="Calibri" panose="020F0502020204030204" pitchFamily="34" charset="0"/>
+              </a:rPr>
+              <a:t>In Node.js, this is particularly powerful because the ecosystem is heavily based on events. The native </a:t>
+            </a:r>
+            <a:r>
+              <a:rPr lang="en-US" sz="2000" dirty="0" err="1">
+                <a:latin typeface="Calibri" panose="020F0502020204030204" pitchFamily="34" charset="0"/>
+                <a:cs typeface="Calibri" panose="020F0502020204030204" pitchFamily="34" charset="0"/>
+              </a:rPr>
+              <a:t>EventEmitter</a:t>
+            </a:r>
+            <a:r>
+              <a:rPr lang="en-US" sz="2000" dirty="0">
+                <a:latin typeface="Calibri" panose="020F0502020204030204" pitchFamily="34" charset="0"/>
+                <a:cs typeface="Calibri" panose="020F0502020204030204" pitchFamily="34" charset="0"/>
+              </a:rPr>
+              <a:t> class is essentially a built-in implementation of the Mediator pattern.</a:t>
+            </a:r>
+            <a:endParaRPr lang="en-US" sz="2000" dirty="0">
+              <a:latin typeface="Calibri" panose="020F0502020204030204" pitchFamily="34" charset="0"/>
+              <a:cs typeface="Calibri" panose="020F0502020204030204" pitchFamily="34" charset="0"/>
+            </a:endParaRPr>
+          </a:p>
+        </p:txBody>
+      </p:sp>
+    </p:spTree>
+    <p:extLst>
+      <p:ext uri="{BB962C8B-B14F-4D97-AF65-F5344CB8AC3E}">
+        <p14:creationId xmlns:p14="http://schemas.microsoft.com/office/powerpoint/2010/main" val="3179570771"/>
       </p:ext>
     </p:extLst>
   </p:cSld>

--- a/Design-Principles.pptx
+++ b/Design-Principles.pptx
@@ -19,6 +19,7 @@
     <p:sldId id="281" r:id="rId13"/>
     <p:sldId id="282" r:id="rId14"/>
     <p:sldId id="283" r:id="rId15"/>
+    <p:sldId id="284" r:id="rId16"/>
   </p:sldIdLst>
   <p:sldSz cx="12192000" cy="6858000"/>
   <p:notesSz cx="6858000" cy="9144000"/>
@@ -847,7 +848,7 @@
           <a:p>
             <a:fld id="{6CDCFB30-2F34-4C6C-B6B7-30925EAD1314}" type="datetimeFigureOut">
               <a:rPr lang="en-IN" smtClean="0"/>
-              <a:t>28-12-2025</a:t>
+              <a:t>31-12-2025</a:t>
             </a:fld>
             <a:endParaRPr lang="en-IN"/>
           </a:p>
@@ -1098,7 +1099,7 @@
           <a:p>
             <a:fld id="{6CDCFB30-2F34-4C6C-B6B7-30925EAD1314}" type="datetimeFigureOut">
               <a:rPr lang="en-IN" smtClean="0"/>
-              <a:t>28-12-2025</a:t>
+              <a:t>31-12-2025</a:t>
             </a:fld>
             <a:endParaRPr lang="en-IN"/>
           </a:p>
@@ -1412,7 +1413,7 @@
           <a:p>
             <a:fld id="{6CDCFB30-2F34-4C6C-B6B7-30925EAD1314}" type="datetimeFigureOut">
               <a:rPr lang="en-IN" smtClean="0"/>
-              <a:t>28-12-2025</a:t>
+              <a:t>31-12-2025</a:t>
             </a:fld>
             <a:endParaRPr lang="en-IN"/>
           </a:p>
@@ -1753,7 +1754,7 @@
           <a:p>
             <a:fld id="{6CDCFB30-2F34-4C6C-B6B7-30925EAD1314}" type="datetimeFigureOut">
               <a:rPr lang="en-IN" smtClean="0"/>
-              <a:t>28-12-2025</a:t>
+              <a:t>31-12-2025</a:t>
             </a:fld>
             <a:endParaRPr lang="en-IN"/>
           </a:p>
@@ -2067,7 +2068,7 @@
           <a:p>
             <a:fld id="{6CDCFB30-2F34-4C6C-B6B7-30925EAD1314}" type="datetimeFigureOut">
               <a:rPr lang="en-IN" smtClean="0"/>
-              <a:t>28-12-2025</a:t>
+              <a:t>31-12-2025</a:t>
             </a:fld>
             <a:endParaRPr lang="en-IN"/>
           </a:p>
@@ -2460,7 +2461,7 @@
           <a:p>
             <a:fld id="{6CDCFB30-2F34-4C6C-B6B7-30925EAD1314}" type="datetimeFigureOut">
               <a:rPr lang="en-IN" smtClean="0"/>
-              <a:t>28-12-2025</a:t>
+              <a:t>31-12-2025</a:t>
             </a:fld>
             <a:endParaRPr lang="en-IN"/>
           </a:p>
@@ -2630,7 +2631,7 @@
           <a:p>
             <a:fld id="{6CDCFB30-2F34-4C6C-B6B7-30925EAD1314}" type="datetimeFigureOut">
               <a:rPr lang="en-IN" smtClean="0"/>
-              <a:t>28-12-2025</a:t>
+              <a:t>31-12-2025</a:t>
             </a:fld>
             <a:endParaRPr lang="en-IN"/>
           </a:p>
@@ -2810,7 +2811,7 @@
           <a:p>
             <a:fld id="{6CDCFB30-2F34-4C6C-B6B7-30925EAD1314}" type="datetimeFigureOut">
               <a:rPr lang="en-IN" smtClean="0"/>
-              <a:t>28-12-2025</a:t>
+              <a:t>31-12-2025</a:t>
             </a:fld>
             <a:endParaRPr lang="en-IN"/>
           </a:p>
@@ -2986,7 +2987,7 @@
           <a:p>
             <a:fld id="{6CDCFB30-2F34-4C6C-B6B7-30925EAD1314}" type="datetimeFigureOut">
               <a:rPr lang="en-IN" smtClean="0"/>
-              <a:t>28-12-2025</a:t>
+              <a:t>31-12-2025</a:t>
             </a:fld>
             <a:endParaRPr lang="en-IN"/>
           </a:p>
@@ -3272,7 +3273,7 @@
           <a:p>
             <a:fld id="{6CDCFB30-2F34-4C6C-B6B7-30925EAD1314}" type="datetimeFigureOut">
               <a:rPr lang="en-IN" smtClean="0"/>
-              <a:t>28-12-2025</a:t>
+              <a:t>31-12-2025</a:t>
             </a:fld>
             <a:endParaRPr lang="en-IN"/>
           </a:p>
@@ -3504,7 +3505,7 @@
           <a:p>
             <a:fld id="{6CDCFB30-2F34-4C6C-B6B7-30925EAD1314}" type="datetimeFigureOut">
               <a:rPr lang="en-IN" smtClean="0"/>
-              <a:t>28-12-2025</a:t>
+              <a:t>31-12-2025</a:t>
             </a:fld>
             <a:endParaRPr lang="en-IN"/>
           </a:p>
@@ -3878,7 +3879,7 @@
           <a:p>
             <a:fld id="{6CDCFB30-2F34-4C6C-B6B7-30925EAD1314}" type="datetimeFigureOut">
               <a:rPr lang="en-IN" smtClean="0"/>
-              <a:t>28-12-2025</a:t>
+              <a:t>31-12-2025</a:t>
             </a:fld>
             <a:endParaRPr lang="en-IN"/>
           </a:p>
@@ -4001,7 +4002,7 @@
           <a:p>
             <a:fld id="{6CDCFB30-2F34-4C6C-B6B7-30925EAD1314}" type="datetimeFigureOut">
               <a:rPr lang="en-IN" smtClean="0"/>
-              <a:t>28-12-2025</a:t>
+              <a:t>31-12-2025</a:t>
             </a:fld>
             <a:endParaRPr lang="en-IN"/>
           </a:p>
@@ -4096,7 +4097,7 @@
           <a:p>
             <a:fld id="{6CDCFB30-2F34-4C6C-B6B7-30925EAD1314}" type="datetimeFigureOut">
               <a:rPr lang="en-IN" smtClean="0"/>
-              <a:t>28-12-2025</a:t>
+              <a:t>31-12-2025</a:t>
             </a:fld>
             <a:endParaRPr lang="en-IN"/>
           </a:p>
@@ -4351,7 +4352,7 @@
           <a:p>
             <a:fld id="{6CDCFB30-2F34-4C6C-B6B7-30925EAD1314}" type="datetimeFigureOut">
               <a:rPr lang="en-IN" smtClean="0"/>
-              <a:t>28-12-2025</a:t>
+              <a:t>31-12-2025</a:t>
             </a:fld>
             <a:endParaRPr lang="en-IN"/>
           </a:p>
@@ -4614,7 +4615,7 @@
           <a:p>
             <a:fld id="{6CDCFB30-2F34-4C6C-B6B7-30925EAD1314}" type="datetimeFigureOut">
               <a:rPr lang="en-IN" smtClean="0"/>
-              <a:t>28-12-2025</a:t>
+              <a:t>31-12-2025</a:t>
             </a:fld>
             <a:endParaRPr lang="en-IN"/>
           </a:p>
@@ -5357,7 +5358,7 @@
           <a:p>
             <a:fld id="{6CDCFB30-2F34-4C6C-B6B7-30925EAD1314}" type="datetimeFigureOut">
               <a:rPr lang="en-IN" smtClean="0"/>
-              <a:t>28-12-2025</a:t>
+              <a:t>31-12-2025</a:t>
             </a:fld>
             <a:endParaRPr lang="en-IN"/>
           </a:p>
@@ -6687,11 +6688,7 @@
           <a:p>
             <a:r>
               <a:rPr lang="en-IN" sz="4000" smtClean="0"/>
-              <a:t>Mediator</a:t>
-            </a:r>
-            <a:r>
-              <a:rPr lang="en-IN" sz="4000" smtClean="0"/>
-              <a:t> </a:t>
+              <a:t>Mediator </a:t>
             </a:r>
             <a:r>
               <a:rPr lang="en-IN" sz="4000" dirty="0" smtClean="0"/>
@@ -6766,10 +6763,6 @@
               </a:rPr>
               <a:t> class is essentially a built-in implementation of the Mediator pattern.</a:t>
             </a:r>
-            <a:endParaRPr lang="en-US" sz="2000" dirty="0">
-              <a:latin typeface="Calibri" panose="020F0502020204030204" pitchFamily="34" charset="0"/>
-              <a:cs typeface="Calibri" panose="020F0502020204030204" pitchFamily="34" charset="0"/>
-            </a:endParaRPr>
           </a:p>
         </p:txBody>
       </p:sp>
@@ -6777,6 +6770,167 @@
     <p:extLst>
       <p:ext uri="{BB962C8B-B14F-4D97-AF65-F5344CB8AC3E}">
         <p14:creationId xmlns:p14="http://schemas.microsoft.com/office/powerpoint/2010/main" val="3179570771"/>
+      </p:ext>
+    </p:extLst>
+  </p:cSld>
+  <p:clrMapOvr>
+    <a:masterClrMapping/>
+  </p:clrMapOvr>
+  <p:timing>
+    <p:tnLst>
+      <p:par>
+        <p:cTn id="1" dur="indefinite" restart="never" nodeType="tmRoot"/>
+      </p:par>
+    </p:tnLst>
+  </p:timing>
+</p:sld>
+</file>
+
+<file path=ppt/slides/slide15.xml><?xml version="1.0" encoding="utf-8"?>
+<p:sld xmlns:a="http://schemas.openxmlformats.org/drawingml/2006/main" xmlns:r="http://schemas.openxmlformats.org/officeDocument/2006/relationships" xmlns:p="http://schemas.openxmlformats.org/presentationml/2006/main">
+  <p:cSld>
+    <p:spTree>
+      <p:nvGrpSpPr>
+        <p:cNvPr id="1" name=""/>
+        <p:cNvGrpSpPr/>
+        <p:nvPr/>
+      </p:nvGrpSpPr>
+      <p:grpSpPr>
+        <a:xfrm>
+          <a:off x="0" y="0"/>
+          <a:ext cx="0" cy="0"/>
+          <a:chOff x="0" y="0"/>
+          <a:chExt cx="0" cy="0"/>
+        </a:xfrm>
+      </p:grpSpPr>
+      <p:sp>
+        <p:nvSpPr>
+          <p:cNvPr id="2" name="Title 1"/>
+          <p:cNvSpPr>
+            <a:spLocks noGrp="1"/>
+          </p:cNvSpPr>
+          <p:nvPr>
+            <p:ph type="title"/>
+          </p:nvPr>
+        </p:nvSpPr>
+        <p:spPr/>
+        <p:txBody>
+          <a:bodyPr>
+            <a:normAutofit/>
+          </a:bodyPr>
+          <a:lstStyle/>
+          <a:p>
+            <a:r>
+              <a:rPr lang="en-IN" sz="4000" smtClean="0"/>
+              <a:t>Memento </a:t>
+            </a:r>
+            <a:r>
+              <a:rPr lang="en-IN" sz="4000" dirty="0" smtClean="0"/>
+              <a:t>Design Pattern</a:t>
+            </a:r>
+            <a:endParaRPr lang="en-IN" sz="4000" dirty="0">
+              <a:latin typeface="Calibri" panose="020F0502020204030204" pitchFamily="34" charset="0"/>
+              <a:cs typeface="Calibri" panose="020F0502020204030204" pitchFamily="34" charset="0"/>
+            </a:endParaRPr>
+          </a:p>
+        </p:txBody>
+      </p:sp>
+      <p:sp>
+        <p:nvSpPr>
+          <p:cNvPr id="3" name="Content Placeholder 2"/>
+          <p:cNvSpPr>
+            <a:spLocks noGrp="1"/>
+          </p:cNvSpPr>
+          <p:nvPr>
+            <p:ph idx="1"/>
+          </p:nvPr>
+        </p:nvSpPr>
+        <p:spPr/>
+        <p:txBody>
+          <a:bodyPr>
+            <a:noAutofit/>
+          </a:bodyPr>
+          <a:lstStyle/>
+          <a:p>
+            <a:r>
+              <a:rPr lang="en-US" sz="2000" dirty="0">
+                <a:latin typeface="Calibri" panose="020F0502020204030204" pitchFamily="34" charset="0"/>
+                <a:cs typeface="Calibri" panose="020F0502020204030204" pitchFamily="34" charset="0"/>
+              </a:rPr>
+              <a:t>The </a:t>
+            </a:r>
+            <a:r>
+              <a:rPr lang="en-US" sz="2000" b="1" dirty="0">
+                <a:latin typeface="Calibri" panose="020F0502020204030204" pitchFamily="34" charset="0"/>
+                <a:cs typeface="Calibri" panose="020F0502020204030204" pitchFamily="34" charset="0"/>
+              </a:rPr>
+              <a:t>Memento Design Pattern</a:t>
+            </a:r>
+            <a:r>
+              <a:rPr lang="en-US" sz="2000" dirty="0">
+                <a:latin typeface="Calibri" panose="020F0502020204030204" pitchFamily="34" charset="0"/>
+                <a:cs typeface="Calibri" panose="020F0502020204030204" pitchFamily="34" charset="0"/>
+              </a:rPr>
+              <a:t> is a behavioral pattern used to save the internal state of an object so that it can be restored later, all without violating encapsulation.</a:t>
+            </a:r>
+          </a:p>
+          <a:p>
+            <a:r>
+              <a:rPr lang="en-US" sz="2000" dirty="0">
+                <a:latin typeface="Calibri" panose="020F0502020204030204" pitchFamily="34" charset="0"/>
+                <a:cs typeface="Calibri" panose="020F0502020204030204" pitchFamily="34" charset="0"/>
+              </a:rPr>
+              <a:t>In the context of an </a:t>
+            </a:r>
+            <a:r>
+              <a:rPr lang="en-US" sz="2000" b="1" dirty="0">
+                <a:latin typeface="Calibri" panose="020F0502020204030204" pitchFamily="34" charset="0"/>
+                <a:cs typeface="Calibri" panose="020F0502020204030204" pitchFamily="34" charset="0"/>
+              </a:rPr>
+              <a:t>Express.js</a:t>
+            </a:r>
+            <a:r>
+              <a:rPr lang="en-US" sz="2000" dirty="0">
+                <a:latin typeface="Calibri" panose="020F0502020204030204" pitchFamily="34" charset="0"/>
+                <a:cs typeface="Calibri" panose="020F0502020204030204" pitchFamily="34" charset="0"/>
+              </a:rPr>
+              <a:t> application, this is most commonly used for features like </a:t>
+            </a:r>
+            <a:r>
+              <a:rPr lang="en-US" sz="2000" b="1" dirty="0">
+                <a:latin typeface="Calibri" panose="020F0502020204030204" pitchFamily="34" charset="0"/>
+                <a:cs typeface="Calibri" panose="020F0502020204030204" pitchFamily="34" charset="0"/>
+              </a:rPr>
+              <a:t>Undo/Redo functionality</a:t>
+            </a:r>
+            <a:r>
+              <a:rPr lang="en-US" sz="2000" dirty="0">
+                <a:latin typeface="Calibri" panose="020F0502020204030204" pitchFamily="34" charset="0"/>
+                <a:cs typeface="Calibri" panose="020F0502020204030204" pitchFamily="34" charset="0"/>
+              </a:rPr>
+              <a:t>, </a:t>
+            </a:r>
+            <a:r>
+              <a:rPr lang="en-US" sz="2000" b="1" dirty="0">
+                <a:latin typeface="Calibri" panose="020F0502020204030204" pitchFamily="34" charset="0"/>
+                <a:cs typeface="Calibri" panose="020F0502020204030204" pitchFamily="34" charset="0"/>
+              </a:rPr>
+              <a:t>version control</a:t>
+            </a:r>
+            <a:r>
+              <a:rPr lang="en-US" sz="2000" dirty="0">
+                <a:latin typeface="Calibri" panose="020F0502020204030204" pitchFamily="34" charset="0"/>
+                <a:cs typeface="Calibri" panose="020F0502020204030204" pitchFamily="34" charset="0"/>
+              </a:rPr>
+              <a:t>, or managing multi-step form wizards where a user might want to step back to a previous state.</a:t>
+            </a:r>
+          </a:p>
+        </p:txBody>
+      </p:sp>
+    </p:spTree>
+    <p:extLst>
+      <p:ext uri="{BB962C8B-B14F-4D97-AF65-F5344CB8AC3E}">
+        <p14:creationId xmlns:p14="http://schemas.microsoft.com/office/powerpoint/2010/main" val="3000673874"/>
       </p:ext>
     </p:extLst>
   </p:cSld>

--- a/Design-Principles.pptx
+++ b/Design-Principles.pptx
@@ -20,6 +20,7 @@
     <p:sldId id="282" r:id="rId14"/>
     <p:sldId id="283" r:id="rId15"/>
     <p:sldId id="284" r:id="rId16"/>
+    <p:sldId id="285" r:id="rId17"/>
   </p:sldIdLst>
   <p:sldSz cx="12192000" cy="6858000"/>
   <p:notesSz cx="6858000" cy="9144000"/>
@@ -6947,6 +6948,153 @@
 </p:sld>
 </file>
 
+<file path=ppt/slides/slide16.xml><?xml version="1.0" encoding="utf-8"?>
+<p:sld xmlns:a="http://schemas.openxmlformats.org/drawingml/2006/main" xmlns:r="http://schemas.openxmlformats.org/officeDocument/2006/relationships" xmlns:p="http://schemas.openxmlformats.org/presentationml/2006/main">
+  <p:cSld>
+    <p:spTree>
+      <p:nvGrpSpPr>
+        <p:cNvPr id="1" name=""/>
+        <p:cNvGrpSpPr/>
+        <p:nvPr/>
+      </p:nvGrpSpPr>
+      <p:grpSpPr>
+        <a:xfrm>
+          <a:off x="0" y="0"/>
+          <a:ext cx="0" cy="0"/>
+          <a:chOff x="0" y="0"/>
+          <a:chExt cx="0" cy="0"/>
+        </a:xfrm>
+      </p:grpSpPr>
+      <p:sp>
+        <p:nvSpPr>
+          <p:cNvPr id="2" name="Title 1"/>
+          <p:cNvSpPr>
+            <a:spLocks noGrp="1"/>
+          </p:cNvSpPr>
+          <p:nvPr>
+            <p:ph type="title"/>
+          </p:nvPr>
+        </p:nvSpPr>
+        <p:spPr/>
+        <p:txBody>
+          <a:bodyPr>
+            <a:normAutofit/>
+          </a:bodyPr>
+          <a:lstStyle/>
+          <a:p>
+            <a:r>
+              <a:rPr lang="en-IN" sz="4000" smtClean="0"/>
+              <a:t>Template Method </a:t>
+            </a:r>
+            <a:r>
+              <a:rPr lang="en-IN" sz="4000" dirty="0" smtClean="0"/>
+              <a:t>Design Pattern</a:t>
+            </a:r>
+            <a:endParaRPr lang="en-IN" sz="4000" dirty="0">
+              <a:latin typeface="Calibri" panose="020F0502020204030204" pitchFamily="34" charset="0"/>
+              <a:cs typeface="Calibri" panose="020F0502020204030204" pitchFamily="34" charset="0"/>
+            </a:endParaRPr>
+          </a:p>
+        </p:txBody>
+      </p:sp>
+      <p:sp>
+        <p:nvSpPr>
+          <p:cNvPr id="3" name="Content Placeholder 2"/>
+          <p:cNvSpPr>
+            <a:spLocks noGrp="1"/>
+          </p:cNvSpPr>
+          <p:nvPr>
+            <p:ph idx="1"/>
+          </p:nvPr>
+        </p:nvSpPr>
+        <p:spPr/>
+        <p:txBody>
+          <a:bodyPr>
+            <a:noAutofit/>
+          </a:bodyPr>
+          <a:lstStyle/>
+          <a:p>
+            <a:r>
+              <a:rPr lang="en-US" sz="2000" dirty="0">
+                <a:latin typeface="Calibri" panose="020F0502020204030204" pitchFamily="34" charset="0"/>
+                <a:cs typeface="Calibri" panose="020F0502020204030204" pitchFamily="34" charset="0"/>
+              </a:rPr>
+              <a:t>The </a:t>
+            </a:r>
+            <a:r>
+              <a:rPr lang="en-US" sz="2000" b="1" dirty="0">
+                <a:latin typeface="Calibri" panose="020F0502020204030204" pitchFamily="34" charset="0"/>
+                <a:cs typeface="Calibri" panose="020F0502020204030204" pitchFamily="34" charset="0"/>
+              </a:rPr>
+              <a:t>Template Method Design Pattern</a:t>
+            </a:r>
+            <a:r>
+              <a:rPr lang="en-US" sz="2000" dirty="0">
+                <a:latin typeface="Calibri" panose="020F0502020204030204" pitchFamily="34" charset="0"/>
+                <a:cs typeface="Calibri" panose="020F0502020204030204" pitchFamily="34" charset="0"/>
+              </a:rPr>
+              <a:t> is a behavioral pattern that defines the "skeleton" of an algorithm in a base class but lets subclasses override specific steps of the algorithm without changing its overall structure.</a:t>
+            </a:r>
+          </a:p>
+          <a:p>
+            <a:r>
+              <a:rPr lang="en-US" sz="2000" dirty="0">
+                <a:latin typeface="Calibri" panose="020F0502020204030204" pitchFamily="34" charset="0"/>
+                <a:cs typeface="Calibri" panose="020F0502020204030204" pitchFamily="34" charset="0"/>
+              </a:rPr>
+              <a:t>Think of it like a </a:t>
+            </a:r>
+            <a:r>
+              <a:rPr lang="en-US" sz="2000" b="1" dirty="0">
+                <a:latin typeface="Calibri" panose="020F0502020204030204" pitchFamily="34" charset="0"/>
+                <a:cs typeface="Calibri" panose="020F0502020204030204" pitchFamily="34" charset="0"/>
+              </a:rPr>
+              <a:t>cooking recipe</a:t>
+            </a:r>
+            <a:r>
+              <a:rPr lang="en-US" sz="2000" dirty="0">
+                <a:latin typeface="Calibri" panose="020F0502020204030204" pitchFamily="34" charset="0"/>
+                <a:cs typeface="Calibri" panose="020F0502020204030204" pitchFamily="34" charset="0"/>
+              </a:rPr>
+              <a:t>: The steps (boil water, cook pasta, add sauce) are fixed, but the specific </a:t>
+            </a:r>
+            <a:r>
+              <a:rPr lang="en-US" sz="2000" i="1" dirty="0">
+                <a:latin typeface="Calibri" panose="020F0502020204030204" pitchFamily="34" charset="0"/>
+                <a:cs typeface="Calibri" panose="020F0502020204030204" pitchFamily="34" charset="0"/>
+              </a:rPr>
+              <a:t>type</a:t>
+            </a:r>
+            <a:r>
+              <a:rPr lang="en-US" sz="2000" dirty="0">
+                <a:latin typeface="Calibri" panose="020F0502020204030204" pitchFamily="34" charset="0"/>
+                <a:cs typeface="Calibri" panose="020F0502020204030204" pitchFamily="34" charset="0"/>
+              </a:rPr>
+              <a:t> of pasta or sauce can be changed by the chef (the subclass).</a:t>
+            </a:r>
+          </a:p>
+        </p:txBody>
+      </p:sp>
+    </p:spTree>
+    <p:extLst>
+      <p:ext uri="{BB962C8B-B14F-4D97-AF65-F5344CB8AC3E}">
+        <p14:creationId xmlns:p14="http://schemas.microsoft.com/office/powerpoint/2010/main" val="1190326917"/>
+      </p:ext>
+    </p:extLst>
+  </p:cSld>
+  <p:clrMapOvr>
+    <a:masterClrMapping/>
+  </p:clrMapOvr>
+  <p:timing>
+    <p:tnLst>
+      <p:par>
+        <p:cTn id="1" dur="indefinite" restart="never" nodeType="tmRoot"/>
+      </p:par>
+    </p:tnLst>
+  </p:timing>
+</p:sld>
+</file>
+
 <file path=ppt/slides/slide2.xml><?xml version="1.0" encoding="utf-8"?>
 <p:sld xmlns:a="http://schemas.openxmlformats.org/drawingml/2006/main" xmlns:r="http://schemas.openxmlformats.org/officeDocument/2006/relationships" xmlns:p="http://schemas.openxmlformats.org/presentationml/2006/main">
   <p:cSld>

--- a/Design-Principles.pptx
+++ b/Design-Principles.pptx
@@ -21,6 +21,7 @@
     <p:sldId id="283" r:id="rId15"/>
     <p:sldId id="284" r:id="rId16"/>
     <p:sldId id="285" r:id="rId17"/>
+    <p:sldId id="286" r:id="rId18"/>
   </p:sldIdLst>
   <p:sldSz cx="12192000" cy="6858000"/>
   <p:notesSz cx="6858000" cy="9144000"/>
@@ -7095,6 +7096,143 @@
 </p:sld>
 </file>
 
+<file path=ppt/slides/slide17.xml><?xml version="1.0" encoding="utf-8"?>
+<p:sld xmlns:a="http://schemas.openxmlformats.org/drawingml/2006/main" xmlns:r="http://schemas.openxmlformats.org/officeDocument/2006/relationships" xmlns:p="http://schemas.openxmlformats.org/presentationml/2006/main">
+  <p:cSld>
+    <p:spTree>
+      <p:nvGrpSpPr>
+        <p:cNvPr id="1" name=""/>
+        <p:cNvGrpSpPr/>
+        <p:nvPr/>
+      </p:nvGrpSpPr>
+      <p:grpSpPr>
+        <a:xfrm>
+          <a:off x="0" y="0"/>
+          <a:ext cx="0" cy="0"/>
+          <a:chOff x="0" y="0"/>
+          <a:chExt cx="0" cy="0"/>
+        </a:xfrm>
+      </p:grpSpPr>
+      <p:sp>
+        <p:nvSpPr>
+          <p:cNvPr id="2" name="Title 1"/>
+          <p:cNvSpPr>
+            <a:spLocks noGrp="1"/>
+          </p:cNvSpPr>
+          <p:nvPr>
+            <p:ph type="title"/>
+          </p:nvPr>
+        </p:nvSpPr>
+        <p:spPr/>
+        <p:txBody>
+          <a:bodyPr>
+            <a:normAutofit/>
+          </a:bodyPr>
+          <a:lstStyle/>
+          <a:p>
+            <a:r>
+              <a:rPr lang="en-IN" sz="4000" smtClean="0"/>
+              <a:t>Visitor </a:t>
+            </a:r>
+            <a:r>
+              <a:rPr lang="en-IN" sz="4000" smtClean="0"/>
+              <a:t>Design </a:t>
+            </a:r>
+            <a:r>
+              <a:rPr lang="en-IN" sz="4000" dirty="0" smtClean="0"/>
+              <a:t>Pattern</a:t>
+            </a:r>
+            <a:endParaRPr lang="en-IN" sz="4000" dirty="0">
+              <a:latin typeface="Calibri" panose="020F0502020204030204" pitchFamily="34" charset="0"/>
+              <a:cs typeface="Calibri" panose="020F0502020204030204" pitchFamily="34" charset="0"/>
+            </a:endParaRPr>
+          </a:p>
+        </p:txBody>
+      </p:sp>
+      <p:sp>
+        <p:nvSpPr>
+          <p:cNvPr id="3" name="Content Placeholder 2"/>
+          <p:cNvSpPr>
+            <a:spLocks noGrp="1"/>
+          </p:cNvSpPr>
+          <p:nvPr>
+            <p:ph idx="1"/>
+          </p:nvPr>
+        </p:nvSpPr>
+        <p:spPr/>
+        <p:txBody>
+          <a:bodyPr>
+            <a:noAutofit/>
+          </a:bodyPr>
+          <a:lstStyle/>
+          <a:p>
+            <a:r>
+              <a:rPr lang="en-US" sz="2000" dirty="0">
+                <a:latin typeface="Calibri" panose="020F0502020204030204" pitchFamily="34" charset="0"/>
+                <a:cs typeface="Calibri" panose="020F0502020204030204" pitchFamily="34" charset="0"/>
+              </a:rPr>
+              <a:t>The </a:t>
+            </a:r>
+            <a:r>
+              <a:rPr lang="en-US" sz="2000" b="1" dirty="0">
+                <a:latin typeface="Calibri" panose="020F0502020204030204" pitchFamily="34" charset="0"/>
+                <a:cs typeface="Calibri" panose="020F0502020204030204" pitchFamily="34" charset="0"/>
+              </a:rPr>
+              <a:t>Visitor Design Pattern</a:t>
+            </a:r>
+            <a:r>
+              <a:rPr lang="en-US" sz="2000" dirty="0">
+                <a:latin typeface="Calibri" panose="020F0502020204030204" pitchFamily="34" charset="0"/>
+                <a:cs typeface="Calibri" panose="020F0502020204030204" pitchFamily="34" charset="0"/>
+              </a:rPr>
+              <a:t> is a behavioral pattern that allows you to separate algorithms from the objects on which they operate.</a:t>
+            </a:r>
+          </a:p>
+          <a:p>
+            <a:r>
+              <a:rPr lang="en-US" sz="2000" dirty="0">
+                <a:latin typeface="Calibri" panose="020F0502020204030204" pitchFamily="34" charset="0"/>
+                <a:cs typeface="Calibri" panose="020F0502020204030204" pitchFamily="34" charset="0"/>
+              </a:rPr>
+              <a:t>In Node.js and </a:t>
+            </a:r>
+            <a:r>
+              <a:rPr lang="en-US" sz="2000" dirty="0" err="1">
+                <a:latin typeface="Calibri" panose="020F0502020204030204" pitchFamily="34" charset="0"/>
+                <a:cs typeface="Calibri" panose="020F0502020204030204" pitchFamily="34" charset="0"/>
+              </a:rPr>
+              <a:t>TypeScript</a:t>
+            </a:r>
+            <a:r>
+              <a:rPr lang="en-US" sz="2000" dirty="0">
+                <a:latin typeface="Calibri" panose="020F0502020204030204" pitchFamily="34" charset="0"/>
+                <a:cs typeface="Calibri" panose="020F0502020204030204" pitchFamily="34" charset="0"/>
+              </a:rPr>
+              <a:t>, this is incredibly useful when you have a stable class structure (like a set of product types or a document object model) but you frequently need to add new operations to them (like calculating taxes, generating XML, or validating data) without modifying the classes themselves.</a:t>
+            </a:r>
+          </a:p>
+        </p:txBody>
+      </p:sp>
+    </p:spTree>
+    <p:extLst>
+      <p:ext uri="{BB962C8B-B14F-4D97-AF65-F5344CB8AC3E}">
+        <p14:creationId xmlns:p14="http://schemas.microsoft.com/office/powerpoint/2010/main" val="963863343"/>
+      </p:ext>
+    </p:extLst>
+  </p:cSld>
+  <p:clrMapOvr>
+    <a:masterClrMapping/>
+  </p:clrMapOvr>
+  <p:timing>
+    <p:tnLst>
+      <p:par>
+        <p:cTn id="1" dur="indefinite" restart="never" nodeType="tmRoot"/>
+      </p:par>
+    </p:tnLst>
+  </p:timing>
+</p:sld>
+</file>
+
 <file path=ppt/slides/slide2.xml><?xml version="1.0" encoding="utf-8"?>
 <p:sld xmlns:a="http://schemas.openxmlformats.org/drawingml/2006/main" xmlns:r="http://schemas.openxmlformats.org/officeDocument/2006/relationships" xmlns:p="http://schemas.openxmlformats.org/presentationml/2006/main">
   <p:cSld>

--- a/Design-Principles.pptx
+++ b/Design-Principles.pptx
@@ -22,6 +22,7 @@
     <p:sldId id="284" r:id="rId16"/>
     <p:sldId id="285" r:id="rId17"/>
     <p:sldId id="286" r:id="rId18"/>
+    <p:sldId id="287" r:id="rId19"/>
   </p:sldIdLst>
   <p:sldSz cx="12192000" cy="6858000"/>
   <p:notesSz cx="6858000" cy="9144000"/>
@@ -850,7 +851,7 @@
           <a:p>
             <a:fld id="{6CDCFB30-2F34-4C6C-B6B7-30925EAD1314}" type="datetimeFigureOut">
               <a:rPr lang="en-IN" smtClean="0"/>
-              <a:t>31-12-2025</a:t>
+              <a:t>03-01-2026</a:t>
             </a:fld>
             <a:endParaRPr lang="en-IN"/>
           </a:p>
@@ -1101,7 +1102,7 @@
           <a:p>
             <a:fld id="{6CDCFB30-2F34-4C6C-B6B7-30925EAD1314}" type="datetimeFigureOut">
               <a:rPr lang="en-IN" smtClean="0"/>
-              <a:t>31-12-2025</a:t>
+              <a:t>03-01-2026</a:t>
             </a:fld>
             <a:endParaRPr lang="en-IN"/>
           </a:p>
@@ -1415,7 +1416,7 @@
           <a:p>
             <a:fld id="{6CDCFB30-2F34-4C6C-B6B7-30925EAD1314}" type="datetimeFigureOut">
               <a:rPr lang="en-IN" smtClean="0"/>
-              <a:t>31-12-2025</a:t>
+              <a:t>03-01-2026</a:t>
             </a:fld>
             <a:endParaRPr lang="en-IN"/>
           </a:p>
@@ -1756,7 +1757,7 @@
           <a:p>
             <a:fld id="{6CDCFB30-2F34-4C6C-B6B7-30925EAD1314}" type="datetimeFigureOut">
               <a:rPr lang="en-IN" smtClean="0"/>
-              <a:t>31-12-2025</a:t>
+              <a:t>03-01-2026</a:t>
             </a:fld>
             <a:endParaRPr lang="en-IN"/>
           </a:p>
@@ -2070,7 +2071,7 @@
           <a:p>
             <a:fld id="{6CDCFB30-2F34-4C6C-B6B7-30925EAD1314}" type="datetimeFigureOut">
               <a:rPr lang="en-IN" smtClean="0"/>
-              <a:t>31-12-2025</a:t>
+              <a:t>03-01-2026</a:t>
             </a:fld>
             <a:endParaRPr lang="en-IN"/>
           </a:p>
@@ -2463,7 +2464,7 @@
           <a:p>
             <a:fld id="{6CDCFB30-2F34-4C6C-B6B7-30925EAD1314}" type="datetimeFigureOut">
               <a:rPr lang="en-IN" smtClean="0"/>
-              <a:t>31-12-2025</a:t>
+              <a:t>03-01-2026</a:t>
             </a:fld>
             <a:endParaRPr lang="en-IN"/>
           </a:p>
@@ -2633,7 +2634,7 @@
           <a:p>
             <a:fld id="{6CDCFB30-2F34-4C6C-B6B7-30925EAD1314}" type="datetimeFigureOut">
               <a:rPr lang="en-IN" smtClean="0"/>
-              <a:t>31-12-2025</a:t>
+              <a:t>03-01-2026</a:t>
             </a:fld>
             <a:endParaRPr lang="en-IN"/>
           </a:p>
@@ -2813,7 +2814,7 @@
           <a:p>
             <a:fld id="{6CDCFB30-2F34-4C6C-B6B7-30925EAD1314}" type="datetimeFigureOut">
               <a:rPr lang="en-IN" smtClean="0"/>
-              <a:t>31-12-2025</a:t>
+              <a:t>03-01-2026</a:t>
             </a:fld>
             <a:endParaRPr lang="en-IN"/>
           </a:p>
@@ -2989,7 +2990,7 @@
           <a:p>
             <a:fld id="{6CDCFB30-2F34-4C6C-B6B7-30925EAD1314}" type="datetimeFigureOut">
               <a:rPr lang="en-IN" smtClean="0"/>
-              <a:t>31-12-2025</a:t>
+              <a:t>03-01-2026</a:t>
             </a:fld>
             <a:endParaRPr lang="en-IN"/>
           </a:p>
@@ -3275,7 +3276,7 @@
           <a:p>
             <a:fld id="{6CDCFB30-2F34-4C6C-B6B7-30925EAD1314}" type="datetimeFigureOut">
               <a:rPr lang="en-IN" smtClean="0"/>
-              <a:t>31-12-2025</a:t>
+              <a:t>03-01-2026</a:t>
             </a:fld>
             <a:endParaRPr lang="en-IN"/>
           </a:p>
@@ -3507,7 +3508,7 @@
           <a:p>
             <a:fld id="{6CDCFB30-2F34-4C6C-B6B7-30925EAD1314}" type="datetimeFigureOut">
               <a:rPr lang="en-IN" smtClean="0"/>
-              <a:t>31-12-2025</a:t>
+              <a:t>03-01-2026</a:t>
             </a:fld>
             <a:endParaRPr lang="en-IN"/>
           </a:p>
@@ -3881,7 +3882,7 @@
           <a:p>
             <a:fld id="{6CDCFB30-2F34-4C6C-B6B7-30925EAD1314}" type="datetimeFigureOut">
               <a:rPr lang="en-IN" smtClean="0"/>
-              <a:t>31-12-2025</a:t>
+              <a:t>03-01-2026</a:t>
             </a:fld>
             <a:endParaRPr lang="en-IN"/>
           </a:p>
@@ -4004,7 +4005,7 @@
           <a:p>
             <a:fld id="{6CDCFB30-2F34-4C6C-B6B7-30925EAD1314}" type="datetimeFigureOut">
               <a:rPr lang="en-IN" smtClean="0"/>
-              <a:t>31-12-2025</a:t>
+              <a:t>03-01-2026</a:t>
             </a:fld>
             <a:endParaRPr lang="en-IN"/>
           </a:p>
@@ -4099,7 +4100,7 @@
           <a:p>
             <a:fld id="{6CDCFB30-2F34-4C6C-B6B7-30925EAD1314}" type="datetimeFigureOut">
               <a:rPr lang="en-IN" smtClean="0"/>
-              <a:t>31-12-2025</a:t>
+              <a:t>03-01-2026</a:t>
             </a:fld>
             <a:endParaRPr lang="en-IN"/>
           </a:p>
@@ -4354,7 +4355,7 @@
           <a:p>
             <a:fld id="{6CDCFB30-2F34-4C6C-B6B7-30925EAD1314}" type="datetimeFigureOut">
               <a:rPr lang="en-IN" smtClean="0"/>
-              <a:t>31-12-2025</a:t>
+              <a:t>03-01-2026</a:t>
             </a:fld>
             <a:endParaRPr lang="en-IN"/>
           </a:p>
@@ -4617,7 +4618,7 @@
           <a:p>
             <a:fld id="{6CDCFB30-2F34-4C6C-B6B7-30925EAD1314}" type="datetimeFigureOut">
               <a:rPr lang="en-IN" smtClean="0"/>
-              <a:t>31-12-2025</a:t>
+              <a:t>03-01-2026</a:t>
             </a:fld>
             <a:endParaRPr lang="en-IN"/>
           </a:p>
@@ -5360,7 +5361,7 @@
           <a:p>
             <a:fld id="{6CDCFB30-2F34-4C6C-B6B7-30925EAD1314}" type="datetimeFigureOut">
               <a:rPr lang="en-IN" smtClean="0"/>
-              <a:t>31-12-2025</a:t>
+              <a:t>03-01-2026</a:t>
             </a:fld>
             <a:endParaRPr lang="en-IN"/>
           </a:p>
@@ -7132,11 +7133,7 @@
           <a:p>
             <a:r>
               <a:rPr lang="en-IN" sz="4000" smtClean="0"/>
-              <a:t>Visitor </a:t>
-            </a:r>
-            <a:r>
-              <a:rPr lang="en-IN" sz="4000" smtClean="0"/>
-              <a:t>Design </a:t>
+              <a:t>Visitor Design </a:t>
             </a:r>
             <a:r>
               <a:rPr lang="en-IN" sz="4000" dirty="0" smtClean="0"/>
@@ -7217,6 +7214,142 @@
     <p:extLst>
       <p:ext uri="{BB962C8B-B14F-4D97-AF65-F5344CB8AC3E}">
         <p14:creationId xmlns:p14="http://schemas.microsoft.com/office/powerpoint/2010/main" val="963863343"/>
+      </p:ext>
+    </p:extLst>
+  </p:cSld>
+  <p:clrMapOvr>
+    <a:masterClrMapping/>
+  </p:clrMapOvr>
+  <p:timing>
+    <p:tnLst>
+      <p:par>
+        <p:cTn id="1" dur="indefinite" restart="never" nodeType="tmRoot"/>
+      </p:par>
+    </p:tnLst>
+  </p:timing>
+</p:sld>
+</file>
+
+<file path=ppt/slides/slide18.xml><?xml version="1.0" encoding="utf-8"?>
+<p:sld xmlns:a="http://schemas.openxmlformats.org/drawingml/2006/main" xmlns:r="http://schemas.openxmlformats.org/officeDocument/2006/relationships" xmlns:p="http://schemas.openxmlformats.org/presentationml/2006/main">
+  <p:cSld>
+    <p:spTree>
+      <p:nvGrpSpPr>
+        <p:cNvPr id="1" name=""/>
+        <p:cNvGrpSpPr/>
+        <p:nvPr/>
+      </p:nvGrpSpPr>
+      <p:grpSpPr>
+        <a:xfrm>
+          <a:off x="0" y="0"/>
+          <a:ext cx="0" cy="0"/>
+          <a:chOff x="0" y="0"/>
+          <a:chExt cx="0" cy="0"/>
+        </a:xfrm>
+      </p:grpSpPr>
+      <p:sp>
+        <p:nvSpPr>
+          <p:cNvPr id="2" name="Title 1"/>
+          <p:cNvSpPr>
+            <a:spLocks noGrp="1"/>
+          </p:cNvSpPr>
+          <p:nvPr>
+            <p:ph type="title"/>
+          </p:nvPr>
+        </p:nvSpPr>
+        <p:spPr/>
+        <p:txBody>
+          <a:bodyPr>
+            <a:normAutofit/>
+          </a:bodyPr>
+          <a:lstStyle/>
+          <a:p>
+            <a:r>
+              <a:rPr lang="en-IN" sz="4000" dirty="0" smtClean="0"/>
+              <a:t>Adapter</a:t>
+            </a:r>
+            <a:r>
+              <a:rPr lang="en-IN" sz="4000" dirty="0" smtClean="0"/>
+              <a:t> </a:t>
+            </a:r>
+            <a:r>
+              <a:rPr lang="en-IN" sz="4000" dirty="0" smtClean="0"/>
+              <a:t>Design Pattern</a:t>
+            </a:r>
+            <a:endParaRPr lang="en-IN" sz="4000" dirty="0">
+              <a:latin typeface="Calibri" panose="020F0502020204030204" pitchFamily="34" charset="0"/>
+              <a:cs typeface="Calibri" panose="020F0502020204030204" pitchFamily="34" charset="0"/>
+            </a:endParaRPr>
+          </a:p>
+        </p:txBody>
+      </p:sp>
+      <p:sp>
+        <p:nvSpPr>
+          <p:cNvPr id="3" name="Content Placeholder 2"/>
+          <p:cNvSpPr>
+            <a:spLocks noGrp="1"/>
+          </p:cNvSpPr>
+          <p:nvPr>
+            <p:ph idx="1"/>
+          </p:nvPr>
+        </p:nvSpPr>
+        <p:spPr/>
+        <p:txBody>
+          <a:bodyPr>
+            <a:noAutofit/>
+          </a:bodyPr>
+          <a:lstStyle/>
+          <a:p>
+            <a:r>
+              <a:rPr lang="en-US" sz="2000" dirty="0">
+                <a:latin typeface="Calibri" panose="020F0502020204030204" pitchFamily="34" charset="0"/>
+                <a:cs typeface="Calibri" panose="020F0502020204030204" pitchFamily="34" charset="0"/>
+              </a:rPr>
+              <a:t>The Adapter Pattern is a structural design pattern that allows objects with incompatible interfaces to collaborate. It acts as a wrapper between two objects. It catches calls for one object and transforms them into a format and interface recognizable by the second object.</a:t>
+            </a:r>
+          </a:p>
+          <a:p>
+            <a:r>
+              <a:rPr lang="en-US" sz="2000" b="1" dirty="0">
+                <a:latin typeface="Calibri" panose="020F0502020204030204" pitchFamily="34" charset="0"/>
+                <a:cs typeface="Calibri" panose="020F0502020204030204" pitchFamily="34" charset="0"/>
+              </a:rPr>
+              <a:t>Real-world Analogy:</a:t>
+            </a:r>
+            <a:r>
+              <a:rPr lang="en-US" sz="2000" dirty="0">
+                <a:latin typeface="Calibri" panose="020F0502020204030204" pitchFamily="34" charset="0"/>
+                <a:cs typeface="Calibri" panose="020F0502020204030204" pitchFamily="34" charset="0"/>
+              </a:rPr>
+              <a:t> Imagine you are traveling from the US to Europe. Your laptop plug (US standard) won't fit into the wall socket (European standard). You need a </a:t>
+            </a:r>
+            <a:r>
+              <a:rPr lang="en-US" sz="2000" b="1" dirty="0">
+                <a:latin typeface="Calibri" panose="020F0502020204030204" pitchFamily="34" charset="0"/>
+                <a:cs typeface="Calibri" panose="020F0502020204030204" pitchFamily="34" charset="0"/>
+              </a:rPr>
+              <a:t>power adapter</a:t>
+            </a:r>
+            <a:r>
+              <a:rPr lang="en-US" sz="2000" dirty="0">
+                <a:latin typeface="Calibri" panose="020F0502020204030204" pitchFamily="34" charset="0"/>
+                <a:cs typeface="Calibri" panose="020F0502020204030204" pitchFamily="34" charset="0"/>
+              </a:rPr>
+              <a:t> that accepts your US plug and fits into the European socket.</a:t>
+            </a:r>
+          </a:p>
+          <a:p>
+            <a:endParaRPr lang="en-US" sz="2000" dirty="0">
+              <a:latin typeface="Calibri" panose="020F0502020204030204" pitchFamily="34" charset="0"/>
+              <a:cs typeface="Calibri" panose="020F0502020204030204" pitchFamily="34" charset="0"/>
+            </a:endParaRPr>
+          </a:p>
+        </p:txBody>
+      </p:sp>
+    </p:spTree>
+    <p:extLst>
+      <p:ext uri="{BB962C8B-B14F-4D97-AF65-F5344CB8AC3E}">
+        <p14:creationId xmlns:p14="http://schemas.microsoft.com/office/powerpoint/2010/main" val="677305732"/>
       </p:ext>
     </p:extLst>
   </p:cSld>

--- a/Design-Principles.pptx
+++ b/Design-Principles.pptx
@@ -23,6 +23,9 @@
     <p:sldId id="285" r:id="rId17"/>
     <p:sldId id="286" r:id="rId18"/>
     <p:sldId id="287" r:id="rId19"/>
+    <p:sldId id="288" r:id="rId20"/>
+    <p:sldId id="289" r:id="rId21"/>
+    <p:sldId id="290" r:id="rId22"/>
   </p:sldIdLst>
   <p:sldSz cx="12192000" cy="6858000"/>
   <p:notesSz cx="6858000" cy="9144000"/>
@@ -7266,15 +7269,7 @@
           <a:p>
             <a:r>
               <a:rPr lang="en-IN" sz="4000" dirty="0" smtClean="0"/>
-              <a:t>Adapter</a:t>
-            </a:r>
-            <a:r>
-              <a:rPr lang="en-IN" sz="4000" dirty="0" smtClean="0"/>
-              <a:t> </a:t>
-            </a:r>
-            <a:r>
-              <a:rPr lang="en-IN" sz="4000" dirty="0" smtClean="0"/>
-              <a:t>Design Pattern</a:t>
+              <a:t>Adapter Design Pattern</a:t>
             </a:r>
             <a:endParaRPr lang="en-IN" sz="4000" dirty="0">
               <a:latin typeface="Calibri" panose="020F0502020204030204" pitchFamily="34" charset="0"/>
@@ -7350,6 +7345,183 @@
     <p:extLst>
       <p:ext uri="{BB962C8B-B14F-4D97-AF65-F5344CB8AC3E}">
         <p14:creationId xmlns:p14="http://schemas.microsoft.com/office/powerpoint/2010/main" val="677305732"/>
+      </p:ext>
+    </p:extLst>
+  </p:cSld>
+  <p:clrMapOvr>
+    <a:masterClrMapping/>
+  </p:clrMapOvr>
+  <p:timing>
+    <p:tnLst>
+      <p:par>
+        <p:cTn id="1" dur="indefinite" restart="never" nodeType="tmRoot"/>
+      </p:par>
+    </p:tnLst>
+  </p:timing>
+</p:sld>
+</file>
+
+<file path=ppt/slides/slide19.xml><?xml version="1.0" encoding="utf-8"?>
+<p:sld xmlns:a="http://schemas.openxmlformats.org/drawingml/2006/main" xmlns:r="http://schemas.openxmlformats.org/officeDocument/2006/relationships" xmlns:p="http://schemas.openxmlformats.org/presentationml/2006/main">
+  <p:cSld>
+    <p:spTree>
+      <p:nvGrpSpPr>
+        <p:cNvPr id="1" name=""/>
+        <p:cNvGrpSpPr/>
+        <p:nvPr/>
+      </p:nvGrpSpPr>
+      <p:grpSpPr>
+        <a:xfrm>
+          <a:off x="0" y="0"/>
+          <a:ext cx="0" cy="0"/>
+          <a:chOff x="0" y="0"/>
+          <a:chExt cx="0" cy="0"/>
+        </a:xfrm>
+      </p:grpSpPr>
+      <p:sp>
+        <p:nvSpPr>
+          <p:cNvPr id="2" name="Title 1"/>
+          <p:cNvSpPr>
+            <a:spLocks noGrp="1"/>
+          </p:cNvSpPr>
+          <p:nvPr>
+            <p:ph type="title"/>
+          </p:nvPr>
+        </p:nvSpPr>
+        <p:spPr/>
+        <p:txBody>
+          <a:bodyPr>
+            <a:normAutofit/>
+          </a:bodyPr>
+          <a:lstStyle/>
+          <a:p>
+            <a:r>
+              <a:rPr lang="en-IN" sz="4000" dirty="0" smtClean="0"/>
+              <a:t>Bridge Design Pattern</a:t>
+            </a:r>
+            <a:endParaRPr lang="en-IN" sz="4000" dirty="0">
+              <a:latin typeface="Calibri" panose="020F0502020204030204" pitchFamily="34" charset="0"/>
+              <a:cs typeface="Calibri" panose="020F0502020204030204" pitchFamily="34" charset="0"/>
+            </a:endParaRPr>
+          </a:p>
+        </p:txBody>
+      </p:sp>
+      <p:sp>
+        <p:nvSpPr>
+          <p:cNvPr id="3" name="Content Placeholder 2"/>
+          <p:cNvSpPr>
+            <a:spLocks noGrp="1"/>
+          </p:cNvSpPr>
+          <p:nvPr>
+            <p:ph idx="1"/>
+          </p:nvPr>
+        </p:nvSpPr>
+        <p:spPr/>
+        <p:txBody>
+          <a:bodyPr>
+            <a:noAutofit/>
+          </a:bodyPr>
+          <a:lstStyle/>
+          <a:p>
+            <a:r>
+              <a:rPr lang="en-US" sz="2000" dirty="0">
+                <a:latin typeface="Calibri" panose="020F0502020204030204" pitchFamily="34" charset="0"/>
+                <a:cs typeface="Calibri" panose="020F0502020204030204" pitchFamily="34" charset="0"/>
+              </a:rPr>
+              <a:t>The Bridge Design Pattern is a structural pattern that lets you split a large class or a set of closely related classes into two separate hierarchies—Abstraction and Implementation—which can be developed independently of each other.</a:t>
+            </a:r>
+          </a:p>
+          <a:p>
+            <a:endParaRPr lang="en-US" sz="2000" dirty="0">
+              <a:latin typeface="Calibri" panose="020F0502020204030204" pitchFamily="34" charset="0"/>
+              <a:cs typeface="Calibri" panose="020F0502020204030204" pitchFamily="34" charset="0"/>
+            </a:endParaRPr>
+          </a:p>
+          <a:p>
+            <a:r>
+              <a:rPr lang="en-US" sz="2000" dirty="0">
+                <a:latin typeface="Calibri" panose="020F0502020204030204" pitchFamily="34" charset="0"/>
+                <a:cs typeface="Calibri" panose="020F0502020204030204" pitchFamily="34" charset="0"/>
+              </a:rPr>
+              <a:t>In </a:t>
+            </a:r>
+            <a:r>
+              <a:rPr lang="en-US" sz="2000" dirty="0" err="1">
+                <a:latin typeface="Calibri" panose="020F0502020204030204" pitchFamily="34" charset="0"/>
+                <a:cs typeface="Calibri" panose="020F0502020204030204" pitchFamily="34" charset="0"/>
+              </a:rPr>
+              <a:t>TypeScript</a:t>
+            </a:r>
+            <a:r>
+              <a:rPr lang="en-US" sz="2000" dirty="0">
+                <a:latin typeface="Calibri" panose="020F0502020204030204" pitchFamily="34" charset="0"/>
+                <a:cs typeface="Calibri" panose="020F0502020204030204" pitchFamily="34" charset="0"/>
+              </a:rPr>
+              <a:t> and Node.js, this is particularly useful when you want to avoid a "Cartesian product" explosion of class subclasses (e.g., avoiding </a:t>
+            </a:r>
+            <a:r>
+              <a:rPr lang="en-US" sz="2000" dirty="0" err="1">
+                <a:latin typeface="Calibri" panose="020F0502020204030204" pitchFamily="34" charset="0"/>
+                <a:cs typeface="Calibri" panose="020F0502020204030204" pitchFamily="34" charset="0"/>
+              </a:rPr>
+              <a:t>WindowsFileDownloader</a:t>
+            </a:r>
+            <a:r>
+              <a:rPr lang="en-US" sz="2000" dirty="0">
+                <a:latin typeface="Calibri" panose="020F0502020204030204" pitchFamily="34" charset="0"/>
+                <a:cs typeface="Calibri" panose="020F0502020204030204" pitchFamily="34" charset="0"/>
+              </a:rPr>
+              <a:t>, </a:t>
+            </a:r>
+            <a:r>
+              <a:rPr lang="en-US" sz="2000" dirty="0" err="1">
+                <a:latin typeface="Calibri" panose="020F0502020204030204" pitchFamily="34" charset="0"/>
+                <a:cs typeface="Calibri" panose="020F0502020204030204" pitchFamily="34" charset="0"/>
+              </a:rPr>
+              <a:t>LinuxFileDownloader</a:t>
+            </a:r>
+            <a:r>
+              <a:rPr lang="en-US" sz="2000" dirty="0">
+                <a:latin typeface="Calibri" panose="020F0502020204030204" pitchFamily="34" charset="0"/>
+                <a:cs typeface="Calibri" panose="020F0502020204030204" pitchFamily="34" charset="0"/>
+              </a:rPr>
+              <a:t>, </a:t>
+            </a:r>
+            <a:r>
+              <a:rPr lang="en-US" sz="2000" dirty="0" err="1">
+                <a:latin typeface="Calibri" panose="020F0502020204030204" pitchFamily="34" charset="0"/>
+                <a:cs typeface="Calibri" panose="020F0502020204030204" pitchFamily="34" charset="0"/>
+              </a:rPr>
+              <a:t>WindowsFileUploader</a:t>
+            </a:r>
+            <a:r>
+              <a:rPr lang="en-US" sz="2000" dirty="0">
+                <a:latin typeface="Calibri" panose="020F0502020204030204" pitchFamily="34" charset="0"/>
+                <a:cs typeface="Calibri" panose="020F0502020204030204" pitchFamily="34" charset="0"/>
+              </a:rPr>
+              <a:t>, </a:t>
+            </a:r>
+            <a:r>
+              <a:rPr lang="en-US" sz="2000" dirty="0" err="1">
+                <a:latin typeface="Calibri" panose="020F0502020204030204" pitchFamily="34" charset="0"/>
+                <a:cs typeface="Calibri" panose="020F0502020204030204" pitchFamily="34" charset="0"/>
+              </a:rPr>
+              <a:t>LinuxFileUploader</a:t>
+            </a:r>
+            <a:r>
+              <a:rPr lang="en-US" sz="2000" dirty="0">
+                <a:latin typeface="Calibri" panose="020F0502020204030204" pitchFamily="34" charset="0"/>
+                <a:cs typeface="Calibri" panose="020F0502020204030204" pitchFamily="34" charset="0"/>
+              </a:rPr>
+              <a:t>).</a:t>
+            </a:r>
+          </a:p>
+        </p:txBody>
+      </p:sp>
+    </p:spTree>
+    <p:extLst>
+      <p:ext uri="{BB962C8B-B14F-4D97-AF65-F5344CB8AC3E}">
+        <p14:creationId xmlns:p14="http://schemas.microsoft.com/office/powerpoint/2010/main" val="303938599"/>
       </p:ext>
     </p:extLst>
   </p:cSld>
@@ -7536,6 +7708,310 @@
     <p:extLst>
       <p:ext uri="{BB962C8B-B14F-4D97-AF65-F5344CB8AC3E}">
         <p14:creationId xmlns:p14="http://schemas.microsoft.com/office/powerpoint/2010/main" val="3451089657"/>
+      </p:ext>
+    </p:extLst>
+  </p:cSld>
+  <p:clrMapOvr>
+    <a:masterClrMapping/>
+  </p:clrMapOvr>
+  <p:timing>
+    <p:tnLst>
+      <p:par>
+        <p:cTn id="1" dur="indefinite" restart="never" nodeType="tmRoot"/>
+      </p:par>
+    </p:tnLst>
+  </p:timing>
+</p:sld>
+</file>
+
+<file path=ppt/slides/slide20.xml><?xml version="1.0" encoding="utf-8"?>
+<p:sld xmlns:a="http://schemas.openxmlformats.org/drawingml/2006/main" xmlns:r="http://schemas.openxmlformats.org/officeDocument/2006/relationships" xmlns:p="http://schemas.openxmlformats.org/presentationml/2006/main">
+  <p:cSld>
+    <p:spTree>
+      <p:nvGrpSpPr>
+        <p:cNvPr id="1" name=""/>
+        <p:cNvGrpSpPr/>
+        <p:nvPr/>
+      </p:nvGrpSpPr>
+      <p:grpSpPr>
+        <a:xfrm>
+          <a:off x="0" y="0"/>
+          <a:ext cx="0" cy="0"/>
+          <a:chOff x="0" y="0"/>
+          <a:chExt cx="0" cy="0"/>
+        </a:xfrm>
+      </p:grpSpPr>
+      <p:sp>
+        <p:nvSpPr>
+          <p:cNvPr id="2" name="Title 1"/>
+          <p:cNvSpPr>
+            <a:spLocks noGrp="1"/>
+          </p:cNvSpPr>
+          <p:nvPr>
+            <p:ph type="title"/>
+          </p:nvPr>
+        </p:nvSpPr>
+        <p:spPr/>
+        <p:txBody>
+          <a:bodyPr>
+            <a:normAutofit/>
+          </a:bodyPr>
+          <a:lstStyle/>
+          <a:p>
+            <a:r>
+              <a:rPr lang="en-IN" sz="4000" smtClean="0"/>
+              <a:t>Composite </a:t>
+            </a:r>
+            <a:r>
+              <a:rPr lang="en-IN" sz="4000" dirty="0" smtClean="0"/>
+              <a:t>Design Pattern</a:t>
+            </a:r>
+            <a:endParaRPr lang="en-IN" sz="4000" dirty="0">
+              <a:latin typeface="Calibri" panose="020F0502020204030204" pitchFamily="34" charset="0"/>
+              <a:cs typeface="Calibri" panose="020F0502020204030204" pitchFamily="34" charset="0"/>
+            </a:endParaRPr>
+          </a:p>
+        </p:txBody>
+      </p:sp>
+      <p:sp>
+        <p:nvSpPr>
+          <p:cNvPr id="3" name="Content Placeholder 2"/>
+          <p:cNvSpPr>
+            <a:spLocks noGrp="1"/>
+          </p:cNvSpPr>
+          <p:nvPr>
+            <p:ph idx="1"/>
+          </p:nvPr>
+        </p:nvSpPr>
+        <p:spPr/>
+        <p:txBody>
+          <a:bodyPr>
+            <a:noAutofit/>
+          </a:bodyPr>
+          <a:lstStyle/>
+          <a:p>
+            <a:r>
+              <a:rPr lang="en-US" sz="2000" dirty="0">
+                <a:latin typeface="Calibri" panose="020F0502020204030204" pitchFamily="34" charset="0"/>
+                <a:cs typeface="Calibri" panose="020F0502020204030204" pitchFamily="34" charset="0"/>
+              </a:rPr>
+              <a:t>The </a:t>
+            </a:r>
+            <a:r>
+              <a:rPr lang="en-US" sz="2000" b="1" dirty="0">
+                <a:latin typeface="Calibri" panose="020F0502020204030204" pitchFamily="34" charset="0"/>
+                <a:cs typeface="Calibri" panose="020F0502020204030204" pitchFamily="34" charset="0"/>
+              </a:rPr>
+              <a:t>Composite Design Pattern</a:t>
+            </a:r>
+            <a:r>
+              <a:rPr lang="en-US" sz="2000" dirty="0">
+                <a:latin typeface="Calibri" panose="020F0502020204030204" pitchFamily="34" charset="0"/>
+                <a:cs typeface="Calibri" panose="020F0502020204030204" pitchFamily="34" charset="0"/>
+              </a:rPr>
+              <a:t> is a structural pattern that lets you compose objects into tree structures to represent part-whole hierarchies. It allows clients to treat individual objects (Leafs) and compositions of objects (Composites) uniformly.</a:t>
+            </a:r>
+          </a:p>
+          <a:p>
+            <a:r>
+              <a:rPr lang="en-US" sz="2000" dirty="0">
+                <a:latin typeface="Calibri" panose="020F0502020204030204" pitchFamily="34" charset="0"/>
+                <a:cs typeface="Calibri" panose="020F0502020204030204" pitchFamily="34" charset="0"/>
+              </a:rPr>
+              <a:t>In the context of </a:t>
+            </a:r>
+            <a:r>
+              <a:rPr lang="en-US" sz="2000" b="1" dirty="0">
+                <a:latin typeface="Calibri" panose="020F0502020204030204" pitchFamily="34" charset="0"/>
+                <a:cs typeface="Calibri" panose="020F0502020204030204" pitchFamily="34" charset="0"/>
+              </a:rPr>
+              <a:t>Node.js</a:t>
+            </a:r>
+            <a:r>
+              <a:rPr lang="en-US" sz="2000" dirty="0">
+                <a:latin typeface="Calibri" panose="020F0502020204030204" pitchFamily="34" charset="0"/>
+                <a:cs typeface="Calibri" panose="020F0502020204030204" pitchFamily="34" charset="0"/>
+              </a:rPr>
+              <a:t> and </a:t>
+            </a:r>
+            <a:r>
+              <a:rPr lang="en-US" sz="2000" b="1" dirty="0" err="1">
+                <a:latin typeface="Calibri" panose="020F0502020204030204" pitchFamily="34" charset="0"/>
+                <a:cs typeface="Calibri" panose="020F0502020204030204" pitchFamily="34" charset="0"/>
+              </a:rPr>
+              <a:t>TypeScript</a:t>
+            </a:r>
+            <a:r>
+              <a:rPr lang="en-US" sz="2000" dirty="0">
+                <a:latin typeface="Calibri" panose="020F0502020204030204" pitchFamily="34" charset="0"/>
+                <a:cs typeface="Calibri" panose="020F0502020204030204" pitchFamily="34" charset="0"/>
+              </a:rPr>
+              <a:t>, this is incredibly useful for scenarios like building file system tools, managing permission trees, organizing UI component structures for server-side rendering, or creating complex task execution pipelines.</a:t>
+            </a:r>
+          </a:p>
+        </p:txBody>
+      </p:sp>
+    </p:spTree>
+    <p:extLst>
+      <p:ext uri="{BB962C8B-B14F-4D97-AF65-F5344CB8AC3E}">
+        <p14:creationId xmlns:p14="http://schemas.microsoft.com/office/powerpoint/2010/main" val="3086144678"/>
+      </p:ext>
+    </p:extLst>
+  </p:cSld>
+  <p:clrMapOvr>
+    <a:masterClrMapping/>
+  </p:clrMapOvr>
+  <p:timing>
+    <p:tnLst>
+      <p:par>
+        <p:cTn id="1" dur="indefinite" restart="never" nodeType="tmRoot"/>
+      </p:par>
+    </p:tnLst>
+  </p:timing>
+</p:sld>
+</file>
+
+<file path=ppt/slides/slide21.xml><?xml version="1.0" encoding="utf-8"?>
+<p:sld xmlns:a="http://schemas.openxmlformats.org/drawingml/2006/main" xmlns:r="http://schemas.openxmlformats.org/officeDocument/2006/relationships" xmlns:p="http://schemas.openxmlformats.org/presentationml/2006/main">
+  <p:cSld>
+    <p:spTree>
+      <p:nvGrpSpPr>
+        <p:cNvPr id="1" name=""/>
+        <p:cNvGrpSpPr/>
+        <p:nvPr/>
+      </p:nvGrpSpPr>
+      <p:grpSpPr>
+        <a:xfrm>
+          <a:off x="0" y="0"/>
+          <a:ext cx="0" cy="0"/>
+          <a:chOff x="0" y="0"/>
+          <a:chExt cx="0" cy="0"/>
+        </a:xfrm>
+      </p:grpSpPr>
+      <p:sp>
+        <p:nvSpPr>
+          <p:cNvPr id="2" name="Title 1"/>
+          <p:cNvSpPr>
+            <a:spLocks noGrp="1"/>
+          </p:cNvSpPr>
+          <p:nvPr>
+            <p:ph type="title"/>
+          </p:nvPr>
+        </p:nvSpPr>
+        <p:spPr/>
+        <p:txBody>
+          <a:bodyPr>
+            <a:normAutofit/>
+          </a:bodyPr>
+          <a:lstStyle/>
+          <a:p>
+            <a:r>
+              <a:rPr lang="en-IN" sz="4000" smtClean="0"/>
+              <a:t>Decorator</a:t>
+            </a:r>
+            <a:r>
+              <a:rPr lang="en-IN" sz="4000" smtClean="0"/>
+              <a:t> </a:t>
+            </a:r>
+            <a:r>
+              <a:rPr lang="en-IN" sz="4000" dirty="0" smtClean="0"/>
+              <a:t>Design Pattern</a:t>
+            </a:r>
+            <a:endParaRPr lang="en-IN" sz="4000" dirty="0">
+              <a:latin typeface="Calibri" panose="020F0502020204030204" pitchFamily="34" charset="0"/>
+              <a:cs typeface="Calibri" panose="020F0502020204030204" pitchFamily="34" charset="0"/>
+            </a:endParaRPr>
+          </a:p>
+        </p:txBody>
+      </p:sp>
+      <p:sp>
+        <p:nvSpPr>
+          <p:cNvPr id="3" name="Content Placeholder 2"/>
+          <p:cNvSpPr>
+            <a:spLocks noGrp="1"/>
+          </p:cNvSpPr>
+          <p:nvPr>
+            <p:ph idx="1"/>
+          </p:nvPr>
+        </p:nvSpPr>
+        <p:spPr/>
+        <p:txBody>
+          <a:bodyPr>
+            <a:noAutofit/>
+          </a:bodyPr>
+          <a:lstStyle/>
+          <a:p>
+            <a:r>
+              <a:rPr lang="en-US" sz="2000" dirty="0">
+                <a:latin typeface="Calibri" panose="020F0502020204030204" pitchFamily="34" charset="0"/>
+                <a:cs typeface="Calibri" panose="020F0502020204030204" pitchFamily="34" charset="0"/>
+              </a:rPr>
+              <a:t>The </a:t>
+            </a:r>
+            <a:r>
+              <a:rPr lang="en-US" sz="2000" b="1" dirty="0">
+                <a:latin typeface="Calibri" panose="020F0502020204030204" pitchFamily="34" charset="0"/>
+                <a:cs typeface="Calibri" panose="020F0502020204030204" pitchFamily="34" charset="0"/>
+              </a:rPr>
+              <a:t>Decorator Design Pattern</a:t>
+            </a:r>
+            <a:r>
+              <a:rPr lang="en-US" sz="2000" dirty="0">
+                <a:latin typeface="Calibri" panose="020F0502020204030204" pitchFamily="34" charset="0"/>
+                <a:cs typeface="Calibri" panose="020F0502020204030204" pitchFamily="34" charset="0"/>
+              </a:rPr>
+              <a:t> is a structural pattern that allows you to attach new behaviors to objects dynamically by placing these objects inside special wrapper objects that contain the behaviors.</a:t>
+            </a:r>
+          </a:p>
+          <a:p>
+            <a:r>
+              <a:rPr lang="en-US" sz="2000" dirty="0">
+                <a:latin typeface="Calibri" panose="020F0502020204030204" pitchFamily="34" charset="0"/>
+                <a:cs typeface="Calibri" panose="020F0502020204030204" pitchFamily="34" charset="0"/>
+              </a:rPr>
+              <a:t>In </a:t>
+            </a:r>
+            <a:r>
+              <a:rPr lang="en-US" sz="2000" dirty="0" err="1">
+                <a:latin typeface="Calibri" panose="020F0502020204030204" pitchFamily="34" charset="0"/>
+                <a:cs typeface="Calibri" panose="020F0502020204030204" pitchFamily="34" charset="0"/>
+              </a:rPr>
+              <a:t>TypeScript</a:t>
+            </a:r>
+            <a:r>
+              <a:rPr lang="en-US" sz="2000" dirty="0">
+                <a:latin typeface="Calibri" panose="020F0502020204030204" pitchFamily="34" charset="0"/>
+                <a:cs typeface="Calibri" panose="020F0502020204030204" pitchFamily="34" charset="0"/>
+              </a:rPr>
+              <a:t> and Node.js, this pattern is incredibly powerful for adhering to the </a:t>
+            </a:r>
+            <a:r>
+              <a:rPr lang="en-US" sz="2000" b="1" dirty="0">
+                <a:latin typeface="Calibri" panose="020F0502020204030204" pitchFamily="34" charset="0"/>
+                <a:cs typeface="Calibri" panose="020F0502020204030204" pitchFamily="34" charset="0"/>
+              </a:rPr>
+              <a:t>Single Responsibility Principle</a:t>
+            </a:r>
+            <a:r>
+              <a:rPr lang="en-US" sz="2000" dirty="0">
+                <a:latin typeface="Calibri" panose="020F0502020204030204" pitchFamily="34" charset="0"/>
+                <a:cs typeface="Calibri" panose="020F0502020204030204" pitchFamily="34" charset="0"/>
+              </a:rPr>
+              <a:t>. Instead of creating a massive class that does everything (logging, caching, validation, and business logic), you create a core class and "decorate" it with extra features.</a:t>
+            </a:r>
+          </a:p>
+          <a:p>
+            <a:endParaRPr lang="en-US" sz="2000" dirty="0">
+              <a:latin typeface="Calibri" panose="020F0502020204030204" pitchFamily="34" charset="0"/>
+              <a:cs typeface="Calibri" panose="020F0502020204030204" pitchFamily="34" charset="0"/>
+            </a:endParaRPr>
+          </a:p>
+        </p:txBody>
+      </p:sp>
+    </p:spTree>
+    <p:extLst>
+      <p:ext uri="{BB962C8B-B14F-4D97-AF65-F5344CB8AC3E}">
+        <p14:creationId xmlns:p14="http://schemas.microsoft.com/office/powerpoint/2010/main" val="3541423463"/>
       </p:ext>
     </p:extLst>
   </p:cSld>

--- a/Design-Principles.pptx
+++ b/Design-Principles.pptx
@@ -26,6 +26,7 @@
     <p:sldId id="288" r:id="rId20"/>
     <p:sldId id="289" r:id="rId21"/>
     <p:sldId id="290" r:id="rId22"/>
+    <p:sldId id="291" r:id="rId23"/>
   </p:sldIdLst>
   <p:sldSz cx="12192000" cy="6858000"/>
   <p:notesSz cx="6858000" cy="9144000"/>
@@ -7907,11 +7908,7 @@
           <a:p>
             <a:r>
               <a:rPr lang="en-IN" sz="4000" smtClean="0"/>
-              <a:t>Decorator</a:t>
-            </a:r>
-            <a:r>
-              <a:rPr lang="en-IN" sz="4000" smtClean="0"/>
-              <a:t> </a:t>
+              <a:t>Decorator </a:t>
             </a:r>
             <a:r>
               <a:rPr lang="en-IN" sz="4000" dirty="0" smtClean="0"/>
@@ -8012,6 +8009,129 @@
     <p:extLst>
       <p:ext uri="{BB962C8B-B14F-4D97-AF65-F5344CB8AC3E}">
         <p14:creationId xmlns:p14="http://schemas.microsoft.com/office/powerpoint/2010/main" val="3541423463"/>
+      </p:ext>
+    </p:extLst>
+  </p:cSld>
+  <p:clrMapOvr>
+    <a:masterClrMapping/>
+  </p:clrMapOvr>
+  <p:timing>
+    <p:tnLst>
+      <p:par>
+        <p:cTn id="1" dur="indefinite" restart="never" nodeType="tmRoot"/>
+      </p:par>
+    </p:tnLst>
+  </p:timing>
+</p:sld>
+</file>
+
+<file path=ppt/slides/slide22.xml><?xml version="1.0" encoding="utf-8"?>
+<p:sld xmlns:a="http://schemas.openxmlformats.org/drawingml/2006/main" xmlns:r="http://schemas.openxmlformats.org/officeDocument/2006/relationships" xmlns:p="http://schemas.openxmlformats.org/presentationml/2006/main">
+  <p:cSld>
+    <p:spTree>
+      <p:nvGrpSpPr>
+        <p:cNvPr id="1" name=""/>
+        <p:cNvGrpSpPr/>
+        <p:nvPr/>
+      </p:nvGrpSpPr>
+      <p:grpSpPr>
+        <a:xfrm>
+          <a:off x="0" y="0"/>
+          <a:ext cx="0" cy="0"/>
+          <a:chOff x="0" y="0"/>
+          <a:chExt cx="0" cy="0"/>
+        </a:xfrm>
+      </p:grpSpPr>
+      <p:sp>
+        <p:nvSpPr>
+          <p:cNvPr id="2" name="Title 1"/>
+          <p:cNvSpPr>
+            <a:spLocks noGrp="1"/>
+          </p:cNvSpPr>
+          <p:nvPr>
+            <p:ph type="title"/>
+          </p:nvPr>
+        </p:nvSpPr>
+        <p:spPr/>
+        <p:txBody>
+          <a:bodyPr>
+            <a:normAutofit/>
+          </a:bodyPr>
+          <a:lstStyle/>
+          <a:p>
+            <a:r>
+              <a:rPr lang="en-IN" sz="4000" smtClean="0"/>
+              <a:t>Facade</a:t>
+            </a:r>
+            <a:r>
+              <a:rPr lang="en-IN" sz="4000" smtClean="0"/>
+              <a:t> </a:t>
+            </a:r>
+            <a:r>
+              <a:rPr lang="en-IN" sz="4000" dirty="0" smtClean="0"/>
+              <a:t>Design Pattern</a:t>
+            </a:r>
+            <a:endParaRPr lang="en-IN" sz="4000" dirty="0">
+              <a:latin typeface="Calibri" panose="020F0502020204030204" pitchFamily="34" charset="0"/>
+              <a:cs typeface="Calibri" panose="020F0502020204030204" pitchFamily="34" charset="0"/>
+            </a:endParaRPr>
+          </a:p>
+        </p:txBody>
+      </p:sp>
+      <p:sp>
+        <p:nvSpPr>
+          <p:cNvPr id="3" name="Content Placeholder 2"/>
+          <p:cNvSpPr>
+            <a:spLocks noGrp="1"/>
+          </p:cNvSpPr>
+          <p:nvPr>
+            <p:ph idx="1"/>
+          </p:nvPr>
+        </p:nvSpPr>
+        <p:spPr/>
+        <p:txBody>
+          <a:bodyPr>
+            <a:noAutofit/>
+          </a:bodyPr>
+          <a:lstStyle/>
+          <a:p>
+            <a:r>
+              <a:rPr lang="en-US" sz="2000" dirty="0">
+                <a:latin typeface="Calibri" panose="020F0502020204030204" pitchFamily="34" charset="0"/>
+                <a:cs typeface="Calibri" panose="020F0502020204030204" pitchFamily="34" charset="0"/>
+              </a:rPr>
+              <a:t>The </a:t>
+            </a:r>
+            <a:r>
+              <a:rPr lang="en-US" sz="2000" b="1" dirty="0">
+                <a:latin typeface="Calibri" panose="020F0502020204030204" pitchFamily="34" charset="0"/>
+                <a:cs typeface="Calibri" panose="020F0502020204030204" pitchFamily="34" charset="0"/>
+              </a:rPr>
+              <a:t>Facade Design Pattern</a:t>
+            </a:r>
+            <a:r>
+              <a:rPr lang="en-US" sz="2000" dirty="0">
+                <a:latin typeface="Calibri" panose="020F0502020204030204" pitchFamily="34" charset="0"/>
+                <a:cs typeface="Calibri" panose="020F0502020204030204" pitchFamily="34" charset="0"/>
+              </a:rPr>
+              <a:t> is a structural pattern that provides a simplified, unified interface to a complex set of interfaces within a subsystem.</a:t>
+            </a:r>
+          </a:p>
+          <a:p>
+            <a:r>
+              <a:rPr lang="en-US" sz="2000" dirty="0">
+                <a:latin typeface="Calibri" panose="020F0502020204030204" pitchFamily="34" charset="0"/>
+                <a:cs typeface="Calibri" panose="020F0502020204030204" pitchFamily="34" charset="0"/>
+              </a:rPr>
+              <a:t>Think of it as the "front desk" of a large hotel. Instead of you having to talk to the housekeeping department, the kitchen, and the valet individually, you just speak to the concierge (the Facade), and they coordinate everything behind the scenes for you.</a:t>
+            </a:r>
+          </a:p>
+        </p:txBody>
+      </p:sp>
+    </p:spTree>
+    <p:extLst>
+      <p:ext uri="{BB962C8B-B14F-4D97-AF65-F5344CB8AC3E}">
+        <p14:creationId xmlns:p14="http://schemas.microsoft.com/office/powerpoint/2010/main" val="1021704088"/>
       </p:ext>
     </p:extLst>
   </p:cSld>

--- a/Design-Principles.pptx
+++ b/Design-Principles.pptx
@@ -27,6 +27,7 @@
     <p:sldId id="289" r:id="rId21"/>
     <p:sldId id="290" r:id="rId22"/>
     <p:sldId id="291" r:id="rId23"/>
+    <p:sldId id="292" r:id="rId24"/>
   </p:sldIdLst>
   <p:sldSz cx="12192000" cy="6858000"/>
   <p:notesSz cx="6858000" cy="9144000"/>
@@ -8061,11 +8062,7 @@
           <a:p>
             <a:r>
               <a:rPr lang="en-IN" sz="4000" smtClean="0"/>
-              <a:t>Facade</a:t>
-            </a:r>
-            <a:r>
-              <a:rPr lang="en-IN" sz="4000" smtClean="0"/>
-              <a:t> </a:t>
+              <a:t>Facade </a:t>
             </a:r>
             <a:r>
               <a:rPr lang="en-IN" sz="4000" dirty="0" smtClean="0"/>
@@ -8132,6 +8129,120 @@
     <p:extLst>
       <p:ext uri="{BB962C8B-B14F-4D97-AF65-F5344CB8AC3E}">
         <p14:creationId xmlns:p14="http://schemas.microsoft.com/office/powerpoint/2010/main" val="1021704088"/>
+      </p:ext>
+    </p:extLst>
+  </p:cSld>
+  <p:clrMapOvr>
+    <a:masterClrMapping/>
+  </p:clrMapOvr>
+  <p:timing>
+    <p:tnLst>
+      <p:par>
+        <p:cTn id="1" dur="indefinite" restart="never" nodeType="tmRoot"/>
+      </p:par>
+    </p:tnLst>
+  </p:timing>
+</p:sld>
+</file>
+
+<file path=ppt/slides/slide23.xml><?xml version="1.0" encoding="utf-8"?>
+<p:sld xmlns:a="http://schemas.openxmlformats.org/drawingml/2006/main" xmlns:r="http://schemas.openxmlformats.org/officeDocument/2006/relationships" xmlns:p="http://schemas.openxmlformats.org/presentationml/2006/main">
+  <p:cSld>
+    <p:spTree>
+      <p:nvGrpSpPr>
+        <p:cNvPr id="1" name=""/>
+        <p:cNvGrpSpPr/>
+        <p:nvPr/>
+      </p:nvGrpSpPr>
+      <p:grpSpPr>
+        <a:xfrm>
+          <a:off x="0" y="0"/>
+          <a:ext cx="0" cy="0"/>
+          <a:chOff x="0" y="0"/>
+          <a:chExt cx="0" cy="0"/>
+        </a:xfrm>
+      </p:grpSpPr>
+      <p:sp>
+        <p:nvSpPr>
+          <p:cNvPr id="2" name="Title 1"/>
+          <p:cNvSpPr>
+            <a:spLocks noGrp="1"/>
+          </p:cNvSpPr>
+          <p:nvPr>
+            <p:ph type="title"/>
+          </p:nvPr>
+        </p:nvSpPr>
+        <p:spPr/>
+        <p:txBody>
+          <a:bodyPr>
+            <a:normAutofit/>
+          </a:bodyPr>
+          <a:lstStyle/>
+          <a:p>
+            <a:r>
+              <a:rPr lang="en-IN" sz="4000" smtClean="0"/>
+              <a:t>Flyweight </a:t>
+            </a:r>
+            <a:r>
+              <a:rPr lang="en-IN" sz="4000" dirty="0" smtClean="0"/>
+              <a:t>Design Pattern</a:t>
+            </a:r>
+            <a:endParaRPr lang="en-IN" sz="4000" dirty="0">
+              <a:latin typeface="Calibri" panose="020F0502020204030204" pitchFamily="34" charset="0"/>
+              <a:cs typeface="Calibri" panose="020F0502020204030204" pitchFamily="34" charset="0"/>
+            </a:endParaRPr>
+          </a:p>
+        </p:txBody>
+      </p:sp>
+      <p:sp>
+        <p:nvSpPr>
+          <p:cNvPr id="3" name="Content Placeholder 2"/>
+          <p:cNvSpPr>
+            <a:spLocks noGrp="1"/>
+          </p:cNvSpPr>
+          <p:nvPr>
+            <p:ph idx="1"/>
+          </p:nvPr>
+        </p:nvSpPr>
+        <p:spPr/>
+        <p:txBody>
+          <a:bodyPr>
+            <a:noAutofit/>
+          </a:bodyPr>
+          <a:lstStyle/>
+          <a:p>
+            <a:r>
+              <a:rPr lang="en-US" sz="2000" dirty="0">
+                <a:latin typeface="Calibri" panose="020F0502020204030204" pitchFamily="34" charset="0"/>
+                <a:cs typeface="Calibri" panose="020F0502020204030204" pitchFamily="34" charset="0"/>
+              </a:rPr>
+              <a:t>The Flyweight pattern is a </a:t>
+            </a:r>
+            <a:r>
+              <a:rPr lang="en-US" sz="2000" b="1" dirty="0">
+                <a:latin typeface="Calibri" panose="020F0502020204030204" pitchFamily="34" charset="0"/>
+                <a:cs typeface="Calibri" panose="020F0502020204030204" pitchFamily="34" charset="0"/>
+              </a:rPr>
+              <a:t>structural design pattern</a:t>
+            </a:r>
+            <a:r>
+              <a:rPr lang="en-US" sz="2000" dirty="0">
+                <a:latin typeface="Calibri" panose="020F0502020204030204" pitchFamily="34" charset="0"/>
+                <a:cs typeface="Calibri" panose="020F0502020204030204" pitchFamily="34" charset="0"/>
+              </a:rPr>
+              <a:t> focused on optimizing RAM usage. It allows you to fit more objects into the available amount of memory by sharing common parts of the state between multiple objects, rather than keeping all of the data in each object.</a:t>
+            </a:r>
+            <a:endParaRPr lang="en-US" sz="2000" dirty="0">
+              <a:latin typeface="Calibri" panose="020F0502020204030204" pitchFamily="34" charset="0"/>
+              <a:cs typeface="Calibri" panose="020F0502020204030204" pitchFamily="34" charset="0"/>
+            </a:endParaRPr>
+          </a:p>
+        </p:txBody>
+      </p:sp>
+    </p:spTree>
+    <p:extLst>
+      <p:ext uri="{BB962C8B-B14F-4D97-AF65-F5344CB8AC3E}">
+        <p14:creationId xmlns:p14="http://schemas.microsoft.com/office/powerpoint/2010/main" val="3040966846"/>
       </p:ext>
     </p:extLst>
   </p:cSld>
